--- a/SyNDB/SyNDB.pptx
+++ b/SyNDB/SyNDB.pptx
@@ -220,7 +220,7 @@
           <a:p>
             <a:fld id="{194A3B8E-FCCD-46A9-A527-60FA6F61DE32}" type="datetimeFigureOut">
               <a:rPr lang="zh-CN" altLang="en-US" smtClean="0"/>
-              <a:t>2021/6/10</a:t>
+              <a:t>2021/8/15</a:t>
             </a:fld>
             <a:endParaRPr lang="zh-CN" altLang="en-US"/>
           </a:p>
@@ -2637,7 +2637,7 @@
           <a:p>
             <a:fld id="{390A58BD-D6A8-440D-8162-4A4C6C107B69}" type="datetimeFigureOut">
               <a:rPr lang="zh-CN" altLang="en-US" smtClean="0"/>
-              <a:t>2021/6/10</a:t>
+              <a:t>2021/8/15</a:t>
             </a:fld>
             <a:endParaRPr lang="zh-CN" altLang="en-US"/>
           </a:p>
@@ -2835,7 +2835,7 @@
           <a:p>
             <a:fld id="{390A58BD-D6A8-440D-8162-4A4C6C107B69}" type="datetimeFigureOut">
               <a:rPr lang="zh-CN" altLang="en-US" smtClean="0"/>
-              <a:t>2021/6/10</a:t>
+              <a:t>2021/8/15</a:t>
             </a:fld>
             <a:endParaRPr lang="zh-CN" altLang="en-US"/>
           </a:p>
@@ -3043,7 +3043,7 @@
           <a:p>
             <a:fld id="{390A58BD-D6A8-440D-8162-4A4C6C107B69}" type="datetimeFigureOut">
               <a:rPr lang="zh-CN" altLang="en-US" smtClean="0"/>
-              <a:t>2021/6/10</a:t>
+              <a:t>2021/8/15</a:t>
             </a:fld>
             <a:endParaRPr lang="zh-CN" altLang="en-US"/>
           </a:p>
@@ -3241,7 +3241,7 @@
           <a:p>
             <a:fld id="{390A58BD-D6A8-440D-8162-4A4C6C107B69}" type="datetimeFigureOut">
               <a:rPr lang="zh-CN" altLang="en-US" smtClean="0"/>
-              <a:t>2021/6/10</a:t>
+              <a:t>2021/8/15</a:t>
             </a:fld>
             <a:endParaRPr lang="zh-CN" altLang="en-US"/>
           </a:p>
@@ -3516,7 +3516,7 @@
           <a:p>
             <a:fld id="{390A58BD-D6A8-440D-8162-4A4C6C107B69}" type="datetimeFigureOut">
               <a:rPr lang="zh-CN" altLang="en-US" smtClean="0"/>
-              <a:t>2021/6/10</a:t>
+              <a:t>2021/8/15</a:t>
             </a:fld>
             <a:endParaRPr lang="zh-CN" altLang="en-US"/>
           </a:p>
@@ -3781,7 +3781,7 @@
           <a:p>
             <a:fld id="{390A58BD-D6A8-440D-8162-4A4C6C107B69}" type="datetimeFigureOut">
               <a:rPr lang="zh-CN" altLang="en-US" smtClean="0"/>
-              <a:t>2021/6/10</a:t>
+              <a:t>2021/8/15</a:t>
             </a:fld>
             <a:endParaRPr lang="zh-CN" altLang="en-US"/>
           </a:p>
@@ -4193,7 +4193,7 @@
           <a:p>
             <a:fld id="{390A58BD-D6A8-440D-8162-4A4C6C107B69}" type="datetimeFigureOut">
               <a:rPr lang="zh-CN" altLang="en-US" smtClean="0"/>
-              <a:t>2021/6/10</a:t>
+              <a:t>2021/8/15</a:t>
             </a:fld>
             <a:endParaRPr lang="zh-CN" altLang="en-US"/>
           </a:p>
@@ -4334,7 +4334,7 @@
           <a:p>
             <a:fld id="{390A58BD-D6A8-440D-8162-4A4C6C107B69}" type="datetimeFigureOut">
               <a:rPr lang="zh-CN" altLang="en-US" smtClean="0"/>
-              <a:t>2021/6/10</a:t>
+              <a:t>2021/8/15</a:t>
             </a:fld>
             <a:endParaRPr lang="zh-CN" altLang="en-US"/>
           </a:p>
@@ -4447,7 +4447,7 @@
           <a:p>
             <a:fld id="{390A58BD-D6A8-440D-8162-4A4C6C107B69}" type="datetimeFigureOut">
               <a:rPr lang="zh-CN" altLang="en-US" smtClean="0"/>
-              <a:t>2021/6/10</a:t>
+              <a:t>2021/8/15</a:t>
             </a:fld>
             <a:endParaRPr lang="zh-CN" altLang="en-US"/>
           </a:p>
@@ -4758,7 +4758,7 @@
           <a:p>
             <a:fld id="{390A58BD-D6A8-440D-8162-4A4C6C107B69}" type="datetimeFigureOut">
               <a:rPr lang="zh-CN" altLang="en-US" smtClean="0"/>
-              <a:t>2021/6/10</a:t>
+              <a:t>2021/8/15</a:t>
             </a:fld>
             <a:endParaRPr lang="zh-CN" altLang="en-US"/>
           </a:p>
@@ -5046,7 +5046,7 @@
           <a:p>
             <a:fld id="{390A58BD-D6A8-440D-8162-4A4C6C107B69}" type="datetimeFigureOut">
               <a:rPr lang="zh-CN" altLang="en-US" smtClean="0"/>
-              <a:t>2021/6/10</a:t>
+              <a:t>2021/8/15</a:t>
             </a:fld>
             <a:endParaRPr lang="zh-CN" altLang="en-US"/>
           </a:p>
@@ -5287,7 +5287,7 @@
           <a:p>
             <a:fld id="{390A58BD-D6A8-440D-8162-4A4C6C107B69}" type="datetimeFigureOut">
               <a:rPr lang="zh-CN" altLang="en-US" smtClean="0"/>
-              <a:t>2021/6/10</a:t>
+              <a:t>2021/8/15</a:t>
             </a:fld>
             <a:endParaRPr lang="zh-CN" altLang="en-US"/>
           </a:p>
